--- a/report/게임프로그래밍.pptx
+++ b/report/게임프로그래밍.pptx
@@ -9129,7 +9129,7 @@
         </p:nvSpPr>
         <p:spPr>
           <a:xfrm>
-            <a:off x="9129955" y="6076239"/>
+            <a:off x="9075135" y="5639186"/>
             <a:ext cx="2991036" cy="467408"/>
           </a:xfrm>
         </p:spPr>
@@ -9166,6 +9166,74 @@
               <a:t>최현석</a:t>
             </a:r>
             <a:endParaRPr lang="ko-KR" altLang="en-US"/>
+          </a:p>
+        </p:txBody>
+      </p:sp>
+      <p:sp>
+        <p:nvSpPr>
+          <p:cNvPr id="4" name="가로 글상자 3"/>
+          <p:cNvSpPr txBox="1"/>
+          <p:nvPr/>
+        </p:nvSpPr>
+        <p:spPr>
+          <a:xfrm>
+            <a:off x="7580256" y="6516231"/>
+            <a:ext cx="4563778" cy="187464"/>
+          </a:xfrm>
+          <a:prstGeom prst="rect">
+            <a:avLst/>
+          </a:prstGeom>
+        </p:spPr>
+        <p:txBody>
+          <a:bodyPr wrap="square">
+            <a:spAutoFit/>
+          </a:bodyPr>
+          <a:p>
+            <a:pPr lvl="0">
+              <a:defRPr/>
+            </a:pPr>
+            <a:endParaRPr lang="ko-KR" altLang="en-US" sz="700"/>
+          </a:p>
+        </p:txBody>
+      </p:sp>
+      <p:sp>
+        <p:nvSpPr>
+          <p:cNvPr id="5" name="가로 글상자 4">
+            <a:hlinkClick r:id="rId2"/>
+          </p:cNvPr>
+          <p:cNvSpPr txBox="1"/>
+          <p:nvPr/>
+        </p:nvSpPr>
+        <p:spPr>
+          <a:xfrm>
+            <a:off x="8059041" y="6606540"/>
+            <a:ext cx="4465854" cy="240030"/>
+          </a:xfrm>
+          <a:prstGeom prst="rect">
+            <a:avLst/>
+          </a:prstGeom>
+        </p:spPr>
+        <p:txBody>
+          <a:bodyPr wrap="square">
+            <a:spAutoFit/>
+          </a:bodyPr>
+          <a:p>
+            <a:pPr lvl="0">
+              <a:defRPr/>
+            </a:pPr>
+            <a:r>
+              <a:rPr lang="ko-KR" altLang="en-US" sz="1000"/>
+              <a:t>깃허브</a:t>
+            </a:r>
+            <a:r>
+              <a:rPr lang="en-US" altLang="ko-KR" sz="1000"/>
+              <a:t>:</a:t>
+            </a:r>
+            <a:r>
+              <a:rPr lang="en-US" altLang="en-US" sz="1000"/>
+              <a:t>https://github.com/chi335/2025-10-10/blob/main/report/8_6_1.cpp</a:t>
+            </a:r>
+            <a:endParaRPr lang="en-US" altLang="en-US" sz="1000"/>
           </a:p>
         </p:txBody>
       </p:sp>
@@ -9347,7 +9415,7 @@
           </p:nvPr>
         </p:nvGraphicFramePr>
         <p:xfrm>
-          <a:off x="431799" y="1308100"/>
+          <a:off x="250824" y="965200"/>
           <a:ext cx="11299612" cy="5811730"/>
         </p:xfrm>
         <a:graphic>
@@ -9885,7 +9953,7 @@
                       </a:pPr>
                       <a:r>
                         <a:rPr lang="ko-KR" altLang="en-US"/>
-                        <a:t>개선 효과</a:t>
+                        <a:t>개선 </a:t>
                       </a:r>
                       <a:endParaRPr lang="ko-KR" altLang="en-US"/>
                     </a:p>
@@ -10715,7 +10783,7 @@
                       </a:pPr>
                       <a:r>
                         <a:rPr lang="ko-KR" altLang="en-US"/>
-                        <a:t>간단한 종료 메시지만 표시</a:t>
+                        <a:t>간단한 메시지만 표시</a:t>
                       </a:r>
                       <a:endParaRPr lang="ko-KR" altLang="en-US"/>
                     </a:p>
